--- a/TestenMileStone2.pptx
+++ b/TestenMileStone2.pptx
@@ -220,7 +220,7 @@
           <a:p>
             <a:fld id="{65DD71D7-55AC-46BD-81B3-09AB2F9EFBD8}" type="datetimeFigureOut">
               <a:rPr lang="de-DE" smtClean="0"/>
-              <a:t>23.11.2015</a:t>
+              <a:t>29.11.2015</a:t>
             </a:fld>
             <a:endParaRPr lang="de-DE" dirty="0"/>
           </a:p>
@@ -385,7 +385,7 @@
           <a:p>
             <a:fld id="{1F89424F-BB59-4F4E-9822-4CA3E770FFD2}" type="datetimeFigureOut">
               <a:rPr lang="de-DE" smtClean="0"/>
-              <a:t>23.11.2015</a:t>
+              <a:t>29.11.2015</a:t>
             </a:fld>
             <a:endParaRPr lang="de-DE" dirty="0"/>
           </a:p>
@@ -1112,7 +1112,7 @@
           <a:p>
             <a:fld id="{537F698A-8CEE-4BF3-BEC8-0ABA6C1BFF10}" type="datetime1">
               <a:rPr lang="de-DE" smtClean="0"/>
-              <a:t>23.11.2015</a:t>
+              <a:t>29.11.2015</a:t>
             </a:fld>
             <a:endParaRPr lang="de-DE" dirty="0"/>
           </a:p>
@@ -1315,7 +1315,7 @@
           <a:p>
             <a:fld id="{21EA3026-B01D-4A07-9460-F7E0EBAC28CD}" type="datetime1">
               <a:rPr lang="de-DE" smtClean="0"/>
-              <a:t>23.11.2015</a:t>
+              <a:t>29.11.2015</a:t>
             </a:fld>
             <a:endParaRPr lang="de-DE" dirty="0"/>
           </a:p>
@@ -1508,7 +1508,7 @@
           <a:p>
             <a:fld id="{F66A0F23-FBCB-420B-8C36-8A5C93F98E1D}" type="datetime1">
               <a:rPr lang="de-DE" smtClean="0"/>
-              <a:t>23.11.2015</a:t>
+              <a:t>29.11.2015</a:t>
             </a:fld>
             <a:endParaRPr lang="de-DE" dirty="0"/>
           </a:p>
@@ -2121,7 +2121,7 @@
           <a:p>
             <a:fld id="{8A458D03-FBAF-4BE9-900A-26E29E2C0671}" type="datetime1">
               <a:rPr lang="de-DE" smtClean="0"/>
-              <a:t>23.11.2015</a:t>
+              <a:t>29.11.2015</a:t>
             </a:fld>
             <a:endParaRPr lang="de-DE" dirty="0"/>
           </a:p>
@@ -2576,7 +2576,7 @@
           <a:p>
             <a:fld id="{E70E15B3-2ABA-4AD8-8437-D701EFDB75E9}" type="datetime1">
               <a:rPr lang="de-DE" smtClean="0"/>
-              <a:t>23.11.2015</a:t>
+              <a:t>29.11.2015</a:t>
             </a:fld>
             <a:endParaRPr lang="de-DE" dirty="0"/>
           </a:p>
@@ -2717,7 +2717,7 @@
           <a:p>
             <a:fld id="{EC022FFA-086D-48E4-A3A9-F2E6ADCC7A7A}" type="datetime1">
               <a:rPr lang="de-DE" smtClean="0"/>
-              <a:t>23.11.2015</a:t>
+              <a:t>29.11.2015</a:t>
             </a:fld>
             <a:endParaRPr lang="de-DE" dirty="0"/>
           </a:p>
@@ -2835,7 +2835,7 @@
           <a:p>
             <a:fld id="{2ABA1BE5-10BE-4EC0-8AF8-1FF2CE7C8C7C}" type="datetime1">
               <a:rPr lang="de-DE" smtClean="0"/>
-              <a:t>23.11.2015</a:t>
+              <a:t>29.11.2015</a:t>
             </a:fld>
             <a:endParaRPr lang="de-DE" dirty="0"/>
           </a:p>
@@ -3271,7 +3271,7 @@
           <a:p>
             <a:fld id="{06AEED3C-F3D4-413C-88C0-8F79A6BD5893}" type="datetime1">
               <a:rPr lang="de-DE" smtClean="0"/>
-              <a:t>23.11.2015</a:t>
+              <a:t>29.11.2015</a:t>
             </a:fld>
             <a:endParaRPr lang="de-DE" dirty="0"/>
           </a:p>
@@ -3697,7 +3697,7 @@
           <a:p>
             <a:fld id="{8A0BF93F-18FA-420B-8AAE-FD2EDBFEC862}" type="datetime1">
               <a:rPr lang="de-DE" smtClean="0"/>
-              <a:t>23.11.2015</a:t>
+              <a:t>29.11.2015</a:t>
             </a:fld>
             <a:endParaRPr lang="de-DE" dirty="0"/>
           </a:p>
@@ -3981,7 +3981,7 @@
           <a:p>
             <a:fld id="{88460AF1-5B98-4D10-B224-FDE8F6480635}" type="datetime1">
               <a:rPr lang="de-DE" smtClean="0"/>
-              <a:t>23.11.2015</a:t>
+              <a:t>29.11.2015</a:t>
             </a:fld>
             <a:endParaRPr lang="de-DE" dirty="0"/>
           </a:p>
@@ -4543,13 +4543,8 @@
           <a:p>
             <a:r>
               <a:rPr lang="de-DE" dirty="0" smtClean="0"/>
-              <a:t>Meilenstein </a:t>
-            </a:r>
-            <a:r>
-              <a:rPr lang="de-DE" dirty="0" smtClean="0"/>
-              <a:t>2</a:t>
-            </a:r>
-            <a:endParaRPr lang="de-DE" dirty="0" smtClean="0"/>
+              <a:t>Meilenstein 2</a:t>
+            </a:r>
           </a:p>
         </p:txBody>
       </p:sp>
@@ -4891,13 +4886,13 @@
   <p:clrMapOvr>
     <a:masterClrMapping/>
   </p:clrMapOvr>
-  <mc:AlternateContent xmlns:mc="http://schemas.openxmlformats.org/markup-compatibility/2006">
-    <mc:Choice xmlns:p14="http://schemas.microsoft.com/office/powerpoint/2010/main" Requires="p14">
+  <mc:AlternateContent xmlns:mc="http://schemas.openxmlformats.org/markup-compatibility/2006" xmlns:p14="http://schemas.microsoft.com/office/powerpoint/2010/main">
+    <mc:Choice Requires="p14">
       <p:transition spd="med" p14:dur="700">
         <p:fade/>
       </p:transition>
     </mc:Choice>
-    <mc:Fallback>
+    <mc:Fallback xmlns="">
       <p:transition spd="med">
         <p:fade/>
       </p:transition>
@@ -5043,13 +5038,13 @@
   <p:clrMapOvr>
     <a:masterClrMapping/>
   </p:clrMapOvr>
-  <mc:AlternateContent xmlns:mc="http://schemas.openxmlformats.org/markup-compatibility/2006">
-    <mc:Choice xmlns:p14="http://schemas.microsoft.com/office/powerpoint/2010/main" Requires="p14">
+  <mc:AlternateContent xmlns:mc="http://schemas.openxmlformats.org/markup-compatibility/2006" xmlns:p14="http://schemas.microsoft.com/office/powerpoint/2010/main">
+    <mc:Choice Requires="p14">
       <p:transition spd="med" p14:dur="700">
         <p:fade/>
       </p:transition>
     </mc:Choice>
-    <mc:Fallback>
+    <mc:Fallback xmlns="">
       <p:transition spd="med">
         <p:fade/>
       </p:transition>
@@ -5192,13 +5187,13 @@
   <p:clrMapOvr>
     <a:masterClrMapping/>
   </p:clrMapOvr>
-  <mc:AlternateContent xmlns:mc="http://schemas.openxmlformats.org/markup-compatibility/2006">
-    <mc:Choice xmlns:p14="http://schemas.microsoft.com/office/powerpoint/2010/main" Requires="p14">
+  <mc:AlternateContent xmlns:mc="http://schemas.openxmlformats.org/markup-compatibility/2006" xmlns:p14="http://schemas.microsoft.com/office/powerpoint/2010/main">
+    <mc:Choice Requires="p14">
       <p:transition spd="med" p14:dur="700">
         <p:fade/>
       </p:transition>
     </mc:Choice>
-    <mc:Fallback>
+    <mc:Fallback xmlns="">
       <p:transition spd="med">
         <p:fade/>
       </p:transition>
@@ -5273,7 +5268,34 @@
           <a:bodyPr/>
           <a:lstStyle/>
           <a:p>
-            <a:endParaRPr lang="de-DE"/>
+            <a:r>
+              <a:rPr lang="de-DE" dirty="0" smtClean="0"/>
+              <a:t>Die Verbindung zwischen dem </a:t>
+            </a:r>
+            <a:r>
+              <a:rPr lang="de-DE" dirty="0" err="1" smtClean="0"/>
+              <a:t>Inspector</a:t>
+            </a:r>
+            <a:r>
+              <a:rPr lang="de-DE" dirty="0" smtClean="0"/>
+              <a:t>, </a:t>
+            </a:r>
+            <a:r>
+              <a:rPr lang="de-DE" dirty="0" err="1" smtClean="0"/>
+              <a:t>Testona</a:t>
+            </a:r>
+            <a:r>
+              <a:rPr lang="de-DE" dirty="0" smtClean="0"/>
+              <a:t>, daraus </a:t>
+            </a:r>
+            <a:r>
+              <a:rPr lang="de-DE" dirty="0" err="1" smtClean="0"/>
+              <a:t>re</a:t>
+            </a:r>
+            <a:endParaRPr lang="de-DE" dirty="0" smtClean="0"/>
+          </a:p>
+          <a:p>
+            <a:endParaRPr lang="de-DE" dirty="0"/>
           </a:p>
         </p:txBody>
       </p:sp>
@@ -5333,13 +5355,13 @@
   <p:clrMapOvr>
     <a:masterClrMapping/>
   </p:clrMapOvr>
-  <mc:AlternateContent xmlns:mc="http://schemas.openxmlformats.org/markup-compatibility/2006">
-    <mc:Choice xmlns:p14="http://schemas.microsoft.com/office/powerpoint/2010/main" Requires="p14">
+  <mc:AlternateContent xmlns:mc="http://schemas.openxmlformats.org/markup-compatibility/2006" xmlns:p14="http://schemas.microsoft.com/office/powerpoint/2010/main">
+    <mc:Choice Requires="p14">
       <p:transition spd="med" p14:dur="700">
         <p:fade/>
       </p:transition>
     </mc:Choice>
-    <mc:Fallback>
+    <mc:Fallback xmlns="">
       <p:transition spd="med">
         <p:fade/>
       </p:transition>
@@ -5482,13 +5504,13 @@
   <p:clrMapOvr>
     <a:masterClrMapping/>
   </p:clrMapOvr>
-  <mc:AlternateContent xmlns:mc="http://schemas.openxmlformats.org/markup-compatibility/2006">
-    <mc:Choice xmlns:p14="http://schemas.microsoft.com/office/powerpoint/2010/main" Requires="p14">
+  <mc:AlternateContent xmlns:mc="http://schemas.openxmlformats.org/markup-compatibility/2006" xmlns:p14="http://schemas.microsoft.com/office/powerpoint/2010/main">
+    <mc:Choice Requires="p14">
       <p:transition spd="med" p14:dur="700">
         <p:fade/>
       </p:transition>
     </mc:Choice>
-    <mc:Fallback>
+    <mc:Fallback xmlns="">
       <p:transition spd="med">
         <p:fade/>
       </p:transition>

--- a/TestenMileStone2.pptx
+++ b/TestenMileStone2.pptx
@@ -4826,7 +4826,42 @@
           <a:bodyPr/>
           <a:lstStyle/>
           <a:p>
-            <a:endParaRPr lang="de-DE"/>
+            <a:r>
+              <a:rPr lang="de-DE" dirty="0" smtClean="0"/>
+              <a:t>Das </a:t>
+            </a:r>
+            <a:r>
+              <a:rPr lang="de-DE" dirty="0"/>
+              <a:t>Ziel des </a:t>
+            </a:r>
+            <a:r>
+              <a:rPr lang="de-DE" dirty="0" err="1"/>
+              <a:t>Fixtures</a:t>
+            </a:r>
+            <a:r>
+              <a:rPr lang="de-DE" dirty="0"/>
+              <a:t> ist es eine Aktion in der HAW-App auszuführen, wie zum Beispiel einen Button zu </a:t>
+            </a:r>
+            <a:r>
+              <a:rPr lang="de-DE" dirty="0" smtClean="0"/>
+              <a:t>klicken</a:t>
+            </a:r>
+          </a:p>
+          <a:p>
+            <a:pPr marL="320040" lvl="1" indent="-274320"/>
+            <a:r>
+              <a:rPr lang="de-DE" dirty="0"/>
+              <a:t>In unserem Fall einen Test-Login </a:t>
+            </a:r>
+          </a:p>
+          <a:p>
+            <a:endParaRPr lang="de-DE" dirty="0"/>
+          </a:p>
+          <a:p>
+            <a:endParaRPr lang="de-DE" dirty="0" smtClean="0"/>
+          </a:p>
+          <a:p>
+            <a:endParaRPr lang="de-DE" dirty="0"/>
           </a:p>
         </p:txBody>
       </p:sp>
@@ -4978,7 +5013,49 @@
           <a:bodyPr/>
           <a:lstStyle/>
           <a:p>
-            <a:endParaRPr lang="de-DE"/>
+            <a:r>
+              <a:rPr lang="de-DE" dirty="0"/>
+              <a:t>Viele </a:t>
+            </a:r>
+            <a:r>
+              <a:rPr lang="de-DE" dirty="0" err="1"/>
+              <a:t>Exceptions</a:t>
+            </a:r>
+            <a:r>
+              <a:rPr lang="de-DE" dirty="0"/>
+              <a:t>, die hintereinander auftraten</a:t>
+            </a:r>
+          </a:p>
+          <a:p>
+            <a:pPr lvl="1"/>
+            <a:r>
+              <a:rPr lang="en-US" dirty="0" err="1"/>
+              <a:t>Folge</a:t>
+            </a:r>
+            <a:r>
+              <a:rPr lang="en-US" dirty="0"/>
+              <a:t>:  </a:t>
+            </a:r>
+            <a:r>
+              <a:rPr lang="en-US" dirty="0" err="1"/>
+              <a:t>Hoher</a:t>
+            </a:r>
+            <a:r>
+              <a:rPr lang="en-US" dirty="0"/>
+              <a:t> </a:t>
+            </a:r>
+            <a:r>
+              <a:rPr lang="en-US" dirty="0" err="1"/>
+              <a:t>Zeitaufwand</a:t>
+            </a:r>
+            <a:r>
+              <a:rPr lang="en-US" dirty="0"/>
+              <a:t>  </a:t>
+            </a:r>
+          </a:p>
+          <a:p>
+            <a:pPr lvl="1"/>
+            <a:endParaRPr lang="de-DE" dirty="0"/>
           </a:p>
         </p:txBody>
       </p:sp>
@@ -5268,33 +5345,57 @@
           <a:bodyPr/>
           <a:lstStyle/>
           <a:p>
-            <a:r>
-              <a:rPr lang="de-DE" dirty="0" smtClean="0"/>
+            <a:pPr>
+              <a:buFont typeface="Arial"/>
+              <a:buChar char="•"/>
+            </a:pPr>
+            <a:r>
+              <a:rPr lang="de-DE" dirty="0">
+                <a:solidFill>
+                  <a:srgbClr val="000000"/>
+                </a:solidFill>
+              </a:rPr>
               <a:t>Die Verbindung zwischen dem </a:t>
             </a:r>
             <a:r>
-              <a:rPr lang="de-DE" dirty="0" err="1" smtClean="0"/>
+              <a:rPr lang="de-DE" dirty="0" err="1">
+                <a:solidFill>
+                  <a:srgbClr val="000000"/>
+                </a:solidFill>
+              </a:rPr>
               <a:t>Inspector</a:t>
             </a:r>
             <a:r>
-              <a:rPr lang="de-DE" dirty="0" smtClean="0"/>
+              <a:rPr lang="de-DE" dirty="0">
+                <a:solidFill>
+                  <a:srgbClr val="000000"/>
+                </a:solidFill>
+              </a:rPr>
               <a:t>, </a:t>
             </a:r>
             <a:r>
-              <a:rPr lang="de-DE" dirty="0" err="1" smtClean="0"/>
+              <a:rPr lang="de-DE" dirty="0" err="1">
+                <a:solidFill>
+                  <a:srgbClr val="000000"/>
+                </a:solidFill>
+              </a:rPr>
               <a:t>Testona</a:t>
             </a:r>
             <a:r>
-              <a:rPr lang="de-DE" dirty="0" smtClean="0"/>
-              <a:t>, daraus </a:t>
-            </a:r>
-            <a:r>
-              <a:rPr lang="de-DE" dirty="0" err="1" smtClean="0"/>
-              <a:t>re</a:t>
-            </a:r>
-            <a:endParaRPr lang="de-DE" dirty="0" smtClean="0"/>
-          </a:p>
-          <a:p>
+              <a:rPr lang="de-DE" dirty="0">
+                <a:solidFill>
+                  <a:srgbClr val="000000"/>
+                </a:solidFill>
+              </a:rPr>
+              <a:t>, daraus resultiert auch nicht die Verbindung zum Testeditor</a:t>
+            </a:r>
+            <a:endParaRPr lang="de-DE" dirty="0"/>
+          </a:p>
+          <a:p>
+            <a:pPr>
+              <a:buFont typeface="Arial"/>
+              <a:buChar char="•"/>
+            </a:pPr>
             <a:endParaRPr lang="de-DE" dirty="0"/>
           </a:p>
         </p:txBody>
@@ -5345,6 +5446,29 @@
           </a:p>
         </p:txBody>
       </p:sp>
+      <p:pic>
+        <p:nvPicPr>
+          <p:cNvPr id="6" name="Grafik 5"/>
+          <p:cNvPicPr/>
+          <p:nvPr/>
+        </p:nvPicPr>
+        <p:blipFill>
+          <a:blip r:embed="rId2"/>
+          <a:stretch/>
+        </p:blipFill>
+        <p:spPr>
+          <a:xfrm>
+            <a:off x="3008243" y="2531165"/>
+            <a:ext cx="5415037" cy="3412075"/>
+          </a:xfrm>
+          <a:prstGeom prst="rect">
+            <a:avLst/>
+          </a:prstGeom>
+          <a:ln>
+            <a:noFill/>
+          </a:ln>
+        </p:spPr>
+      </p:pic>
     </p:spTree>
     <p:extLst>
       <p:ext uri="{BB962C8B-B14F-4D97-AF65-F5344CB8AC3E}">
@@ -5444,6 +5568,69 @@
           <a:bodyPr/>
           <a:lstStyle/>
           <a:p>
+            <a:r>
+              <a:rPr lang="en-US" dirty="0" err="1"/>
+              <a:t>Verbindung</a:t>
+            </a:r>
+            <a:r>
+              <a:rPr lang="en-US" dirty="0"/>
+              <a:t> </a:t>
+            </a:r>
+            <a:r>
+              <a:rPr lang="en-US" dirty="0" err="1"/>
+              <a:t>zwischen</a:t>
+            </a:r>
+            <a:r>
+              <a:rPr lang="en-US" dirty="0"/>
+              <a:t> </a:t>
+            </a:r>
+            <a:r>
+              <a:rPr lang="en-US" dirty="0" err="1"/>
+              <a:t>dem</a:t>
+            </a:r>
+            <a:r>
+              <a:rPr lang="en-US" dirty="0"/>
+              <a:t> Inspector und </a:t>
+            </a:r>
+            <a:r>
+              <a:rPr lang="en-US" dirty="0" err="1"/>
+              <a:t>Testona</a:t>
+            </a:r>
+            <a:r>
+              <a:rPr lang="en-US" dirty="0"/>
+              <a:t> </a:t>
+            </a:r>
+            <a:r>
+              <a:rPr lang="en-US" dirty="0" err="1"/>
+              <a:t>herstellen</a:t>
+            </a:r>
+            <a:endParaRPr lang="en-US" dirty="0"/>
+          </a:p>
+          <a:p>
+            <a:pPr lvl="1"/>
+            <a:r>
+              <a:rPr lang="de-DE" dirty="0"/>
+              <a:t>Problem: da das Importieren von Daten in </a:t>
+            </a:r>
+            <a:r>
+              <a:rPr lang="de-DE" dirty="0" err="1"/>
+              <a:t>Testona</a:t>
+            </a:r>
+            <a:r>
+              <a:rPr lang="de-DE" dirty="0"/>
+              <a:t> schwierig ist</a:t>
+            </a:r>
+          </a:p>
+          <a:p>
+            <a:r>
+              <a:rPr lang="de-DE"/>
+              <a:t>weitere Masken in den Testeditor einfügen</a:t>
+            </a:r>
+          </a:p>
+          <a:p>
+            <a:pPr marL="45720" indent="0">
+              <a:buNone/>
+            </a:pPr>
             <a:endParaRPr lang="de-DE"/>
           </a:p>
         </p:txBody>

--- a/TestenMileStone2.pptx
+++ b/TestenMileStone2.pptx
@@ -4636,10 +4636,6 @@
           <a:lstStyle/>
           <a:p>
             <a:r>
-              <a:rPr lang="de-DE" dirty="0" smtClean="0"/>
-              <a:t>das </a:t>
-            </a:r>
-            <a:r>
               <a:rPr lang="de-DE" dirty="0" err="1" smtClean="0"/>
               <a:t>Fixture</a:t>
             </a:r>
@@ -4649,15 +4645,17 @@
             <a:pPr lvl="1"/>
             <a:r>
               <a:rPr lang="de-DE" dirty="0" smtClean="0"/>
-              <a:t>die Hürden</a:t>
-            </a:r>
+              <a:t>Hürden</a:t>
+            </a:r>
+            <a:endParaRPr lang="de-DE" dirty="0" smtClean="0"/>
           </a:p>
           <a:p>
             <a:pPr lvl="1"/>
             <a:r>
               <a:rPr lang="de-DE" dirty="0" smtClean="0"/>
-              <a:t>die Lösungen</a:t>
-            </a:r>
+              <a:t>Lösungen</a:t>
+            </a:r>
+            <a:endParaRPr lang="de-DE" dirty="0" smtClean="0"/>
           </a:p>
           <a:p>
             <a:r>
@@ -4800,10 +4798,6 @@
               <a:rPr lang="de-DE" dirty="0" smtClean="0"/>
             </a:br>
             <a:r>
-              <a:rPr lang="de-DE" sz="2000" dirty="0" smtClean="0"/>
-              <a:t>das </a:t>
-            </a:r>
-            <a:r>
               <a:rPr lang="de-DE" sz="2000" dirty="0" err="1" smtClean="0"/>
               <a:t>Fixture</a:t>
             </a:r>
@@ -4828,31 +4822,36 @@
           <a:p>
             <a:r>
               <a:rPr lang="de-DE" dirty="0" smtClean="0"/>
-              <a:t>Das </a:t>
-            </a:r>
-            <a:r>
-              <a:rPr lang="de-DE" dirty="0"/>
               <a:t>Ziel des </a:t>
             </a:r>
             <a:r>
-              <a:rPr lang="de-DE" dirty="0" err="1"/>
+              <a:rPr lang="de-DE" dirty="0" err="1" smtClean="0"/>
               <a:t>Fixtures</a:t>
             </a:r>
             <a:r>
-              <a:rPr lang="de-DE" dirty="0"/>
-              <a:t> ist es eine Aktion in der HAW-App auszuführen, wie zum Beispiel einen Button zu </a:t>
-            </a:r>
-            <a:r>
               <a:rPr lang="de-DE" dirty="0" smtClean="0"/>
-              <a:t>klicken</a:t>
-            </a:r>
-          </a:p>
-          <a:p>
-            <a:pPr marL="320040" lvl="1" indent="-274320"/>
-            <a:r>
-              <a:rPr lang="de-DE" dirty="0"/>
-              <a:t>In unserem Fall einen Test-Login </a:t>
-            </a:r>
+              <a:t>: Test Editor Tests für Apps schreiben können</a:t>
+            </a:r>
+          </a:p>
+          <a:p>
+            <a:r>
+              <a:rPr lang="de-DE" dirty="0" smtClean="0"/>
+              <a:t>Realisierung durch Anbindung an </a:t>
+            </a:r>
+            <a:r>
+              <a:rPr lang="de-DE" dirty="0" err="1" smtClean="0"/>
+              <a:t>Appium</a:t>
+            </a:r>
+            <a:endParaRPr lang="de-DE" dirty="0" smtClean="0"/>
+          </a:p>
+          <a:p>
+            <a:r>
+              <a:rPr lang="de-DE" dirty="0" smtClean="0"/>
+              <a:t>Implementierung von Aktionen für Apps in Test Editor</a:t>
+            </a:r>
+          </a:p>
+          <a:p>
+            <a:endParaRPr lang="de-DE" dirty="0" smtClean="0"/>
           </a:p>
           <a:p>
             <a:endParaRPr lang="de-DE" dirty="0"/>
@@ -4976,10 +4975,6 @@
           <a:lstStyle/>
           <a:p>
             <a:r>
-              <a:rPr lang="de-DE" dirty="0" smtClean="0"/>
-              <a:t>Das </a:t>
-            </a:r>
-            <a:r>
               <a:rPr lang="de-DE" dirty="0" err="1" smtClean="0"/>
               <a:t>Fixture</a:t>
             </a:r>
@@ -4991,8 +4986,8 @@
               <a:rPr lang="de-DE" dirty="0" smtClean="0"/>
             </a:br>
             <a:r>
-              <a:rPr lang="de-DE" sz="2000" dirty="0" smtClean="0"/>
-              <a:t>die Hürden</a:t>
+              <a:rPr lang="de-DE" sz="2000" dirty="0" err="1" smtClean="0"/>
+              <a:t>HÜrden</a:t>
             </a:r>
             <a:endParaRPr lang="de-DE" sz="2000" dirty="0"/>
           </a:p>
@@ -5014,48 +5009,74 @@
           <a:lstStyle/>
           <a:p>
             <a:r>
-              <a:rPr lang="de-DE" dirty="0"/>
-              <a:t>Viele </a:t>
-            </a:r>
-            <a:r>
-              <a:rPr lang="de-DE" dirty="0" err="1"/>
-              <a:t>Exceptions</a:t>
-            </a:r>
-            <a:r>
-              <a:rPr lang="de-DE" dirty="0"/>
-              <a:t>, die hintereinander auftraten</a:t>
-            </a:r>
-          </a:p>
-          <a:p>
-            <a:pPr lvl="1"/>
-            <a:r>
-              <a:rPr lang="en-US" dirty="0" err="1"/>
-              <a:t>Folge</a:t>
-            </a:r>
-            <a:r>
-              <a:rPr lang="en-US" dirty="0"/>
-              <a:t>:  </a:t>
-            </a:r>
-            <a:r>
-              <a:rPr lang="en-US" dirty="0" err="1"/>
-              <a:t>Hoher</a:t>
-            </a:r>
-            <a:r>
-              <a:rPr lang="en-US" dirty="0"/>
-              <a:t> </a:t>
-            </a:r>
-            <a:r>
-              <a:rPr lang="en-US" dirty="0" err="1"/>
-              <a:t>Zeitaufwand</a:t>
-            </a:r>
-            <a:r>
-              <a:rPr lang="en-US" dirty="0"/>
-              <a:t>  </a:t>
-            </a:r>
-          </a:p>
-          <a:p>
-            <a:pPr lvl="1"/>
-            <a:endParaRPr lang="de-DE" dirty="0"/>
+              <a:rPr lang="de-DE" dirty="0" smtClean="0"/>
+              <a:t>Dokumentation zur </a:t>
+            </a:r>
+            <a:r>
+              <a:rPr lang="de-DE" dirty="0" err="1" smtClean="0"/>
+              <a:t>Fixture</a:t>
+            </a:r>
+            <a:r>
+              <a:rPr lang="de-DE" dirty="0" smtClean="0"/>
+              <a:t> Erstellung nicht ausführlich genug</a:t>
+            </a:r>
+          </a:p>
+          <a:p>
+            <a:r>
+              <a:rPr lang="de-DE" dirty="0" smtClean="0"/>
+              <a:t>Bauen des Core-</a:t>
+            </a:r>
+            <a:r>
+              <a:rPr lang="de-DE" dirty="0" err="1" smtClean="0"/>
+              <a:t>Fixtures</a:t>
+            </a:r>
+            <a:endParaRPr lang="de-DE" dirty="0" smtClean="0"/>
+          </a:p>
+          <a:p>
+            <a:r>
+              <a:rPr lang="de-DE" dirty="0" err="1" smtClean="0"/>
+              <a:t>Maven</a:t>
+            </a:r>
+            <a:r>
+              <a:rPr lang="de-DE" dirty="0" smtClean="0"/>
+              <a:t> + Core-</a:t>
+            </a:r>
+            <a:r>
+              <a:rPr lang="de-DE" dirty="0" err="1" smtClean="0"/>
+              <a:t>Fixture</a:t>
+            </a:r>
+            <a:endParaRPr lang="de-DE" dirty="0"/>
+          </a:p>
+          <a:p>
+            <a:r>
+              <a:rPr lang="de-DE" dirty="0" smtClean="0"/>
+              <a:t>Schwieriges Debugging der </a:t>
+            </a:r>
+            <a:r>
+              <a:rPr lang="de-DE" dirty="0" err="1" smtClean="0"/>
+              <a:t>Fixture</a:t>
+            </a:r>
+            <a:r>
+              <a:rPr lang="de-DE" dirty="0" smtClean="0"/>
+              <a:t>, da </a:t>
+            </a:r>
+            <a:r>
+              <a:rPr lang="de-DE" dirty="0" err="1" smtClean="0"/>
+              <a:t>Fitnesse</a:t>
+            </a:r>
+            <a:r>
+              <a:rPr lang="de-DE" dirty="0" smtClean="0"/>
+              <a:t> Fehlermeldungen teils irreführend</a:t>
+            </a:r>
+          </a:p>
+          <a:p>
+            <a:endParaRPr lang="de-DE" dirty="0"/>
+          </a:p>
+          <a:p>
+            <a:r>
+              <a:rPr lang="de-DE" dirty="0" smtClean="0"/>
+              <a:t>Kostet viel Zeit</a:t>
+            </a:r>
           </a:p>
         </p:txBody>
       </p:sp>
@@ -5163,11 +5184,7 @@
           <a:lstStyle/>
           <a:p>
             <a:r>
-              <a:rPr lang="de-DE" dirty="0"/>
-              <a:t>Das </a:t>
-            </a:r>
-            <a:r>
-              <a:rPr lang="de-DE" dirty="0" err="1"/>
+              <a:rPr lang="de-DE" dirty="0" err="1" smtClean="0"/>
               <a:t>Fixture</a:t>
             </a:r>
             <a:r>
@@ -5178,10 +5195,6 @@
               <a:rPr lang="de-DE" dirty="0"/>
             </a:br>
             <a:r>
-              <a:rPr lang="de-DE" sz="2000" dirty="0" smtClean="0"/>
-              <a:t>die </a:t>
-            </a:r>
-            <a:r>
               <a:rPr lang="de-DE" sz="2000" dirty="0" err="1" smtClean="0"/>
               <a:t>lösungen</a:t>
             </a:r>
@@ -5204,7 +5217,79 @@
           <a:bodyPr/>
           <a:lstStyle/>
           <a:p>
-            <a:endParaRPr lang="de-DE"/>
+            <a:r>
+              <a:rPr lang="de-DE" dirty="0" smtClean="0"/>
+              <a:t>Bauen eines existierenden </a:t>
+            </a:r>
+            <a:r>
+              <a:rPr lang="de-DE" dirty="0" err="1" smtClean="0"/>
+              <a:t>Fixtures</a:t>
+            </a:r>
+            <a:r>
+              <a:rPr lang="de-DE" dirty="0" smtClean="0"/>
+              <a:t> aus original Repository auf </a:t>
+            </a:r>
+            <a:r>
+              <a:rPr lang="de-DE" dirty="0" err="1" smtClean="0"/>
+              <a:t>Github</a:t>
+            </a:r>
+            <a:endParaRPr lang="de-DE" dirty="0" smtClean="0"/>
+          </a:p>
+          <a:p>
+            <a:r>
+              <a:rPr lang="de-DE" dirty="0" smtClean="0"/>
+              <a:t>Bauen des Core-</a:t>
+            </a:r>
+            <a:r>
+              <a:rPr lang="de-DE" dirty="0" err="1" smtClean="0"/>
+              <a:t>Fixtures</a:t>
+            </a:r>
+            <a:r>
+              <a:rPr lang="de-DE" dirty="0" smtClean="0"/>
+              <a:t> aus original Repository auf </a:t>
+            </a:r>
+            <a:r>
+              <a:rPr lang="de-DE" dirty="0" err="1" smtClean="0"/>
+              <a:t>Github</a:t>
+            </a:r>
+            <a:endParaRPr lang="de-DE" dirty="0" smtClean="0"/>
+          </a:p>
+          <a:p>
+            <a:r>
+              <a:rPr lang="de-DE" dirty="0" smtClean="0"/>
+              <a:t>Da Core-</a:t>
+            </a:r>
+            <a:r>
+              <a:rPr lang="de-DE" dirty="0" err="1" smtClean="0"/>
+              <a:t>Fixture</a:t>
+            </a:r>
+            <a:r>
+              <a:rPr lang="de-DE" dirty="0" smtClean="0"/>
+              <a:t> anscheinend auf internem Repository liegt, muss pom.xml angepasst werden</a:t>
+            </a:r>
+          </a:p>
+          <a:p>
+            <a:r>
+              <a:rPr lang="de-DE" dirty="0" smtClean="0"/>
+              <a:t>Trial &amp; Error um Fehler in </a:t>
+            </a:r>
+            <a:r>
+              <a:rPr lang="de-DE" dirty="0" err="1" smtClean="0"/>
+              <a:t>Fixture</a:t>
+            </a:r>
+            <a:r>
+              <a:rPr lang="de-DE" dirty="0" smtClean="0"/>
+              <a:t> zu beheben, viel Zeit da jedes mal neuer Testlauf</a:t>
+            </a:r>
+          </a:p>
+          <a:p>
+            <a:endParaRPr lang="de-DE" dirty="0" smtClean="0"/>
+          </a:p>
+          <a:p>
+            <a:endParaRPr lang="de-DE" dirty="0" smtClean="0"/>
+          </a:p>
+          <a:p>
+            <a:endParaRPr lang="de-DE" dirty="0"/>
           </a:p>
         </p:txBody>
       </p:sp>
@@ -5358,7 +5443,7 @@
               <a:t>Die Verbindung zwischen dem </a:t>
             </a:r>
             <a:r>
-              <a:rPr lang="de-DE" dirty="0" err="1">
+              <a:rPr lang="de-DE" dirty="0" err="1" smtClean="0">
                 <a:solidFill>
                   <a:srgbClr val="000000"/>
                 </a:solidFill>
@@ -5366,15 +5451,23 @@
               <a:t>Inspector</a:t>
             </a:r>
             <a:r>
-              <a:rPr lang="de-DE" dirty="0">
+              <a:rPr lang="de-DE" dirty="0" smtClean="0">
                 <a:solidFill>
                   <a:srgbClr val="000000"/>
                 </a:solidFill>
               </a:rPr>
-              <a:t>, </a:t>
-            </a:r>
-            <a:r>
-              <a:rPr lang="de-DE" dirty="0" err="1">
+              <a:t> </a:t>
+            </a:r>
+            <a:r>
+              <a:rPr lang="de-DE" dirty="0" smtClean="0">
+                <a:solidFill>
+                  <a:srgbClr val="000000"/>
+                </a:solidFill>
+              </a:rPr>
+              <a:t>&amp; </a:t>
+            </a:r>
+            <a:r>
+              <a:rPr lang="de-DE" dirty="0" err="1" smtClean="0">
                 <a:solidFill>
                   <a:srgbClr val="000000"/>
                 </a:solidFill>
@@ -5577,7 +5670,7 @@
               <a:t> </a:t>
             </a:r>
             <a:r>
-              <a:rPr lang="en-US" dirty="0" err="1"/>
+              <a:rPr lang="en-US" dirty="0" err="1" smtClean="0"/>
               <a:t>zwischen</a:t>
             </a:r>
             <a:r>
@@ -5585,12 +5678,12 @@
               <a:t> </a:t>
             </a:r>
             <a:r>
-              <a:rPr lang="en-US" dirty="0" err="1"/>
-              <a:t>dem</a:t>
+              <a:rPr lang="en-US" dirty="0" smtClean="0"/>
+              <a:t>Inspector </a:t>
             </a:r>
             <a:r>
               <a:rPr lang="en-US" dirty="0"/>
-              <a:t> Inspector und </a:t>
+              <a:t>und </a:t>
             </a:r>
             <a:r>
               <a:rPr lang="en-US" dirty="0" err="1"/>
@@ -5609,8 +5702,12 @@
           <a:p>
             <a:pPr lvl="1"/>
             <a:r>
+              <a:rPr lang="de-DE" dirty="0" smtClean="0"/>
+              <a:t>Problem: Importieren </a:t>
+            </a:r>
+            <a:r>
               <a:rPr lang="de-DE" dirty="0"/>
-              <a:t>Problem: da das Importieren von Daten in </a:t>
+              <a:t>von Daten in </a:t>
             </a:r>
             <a:r>
               <a:rPr lang="de-DE" dirty="0" err="1"/>
@@ -5618,20 +5715,92 @@
             </a:r>
             <a:r>
               <a:rPr lang="de-DE" dirty="0"/>
-              <a:t> schwierig ist</a:t>
-            </a:r>
-          </a:p>
-          <a:p>
-            <a:r>
-              <a:rPr lang="de-DE"/>
-              <a:t>weitere Masken in den Testeditor einfügen</a:t>
-            </a:r>
+              <a:t> </a:t>
+            </a:r>
+            <a:r>
+              <a:rPr lang="de-DE" dirty="0" smtClean="0"/>
+              <a:t>komplex</a:t>
+            </a:r>
+          </a:p>
+          <a:p>
+            <a:r>
+              <a:rPr lang="de-DE" dirty="0" smtClean="0"/>
+              <a:t>Aufbau von </a:t>
+            </a:r>
+            <a:r>
+              <a:rPr lang="de-DE" dirty="0" err="1" smtClean="0"/>
+              <a:t>Classification</a:t>
+            </a:r>
+            <a:r>
+              <a:rPr lang="de-DE" dirty="0" smtClean="0"/>
+              <a:t> </a:t>
+            </a:r>
+            <a:r>
+              <a:rPr lang="de-DE" dirty="0" err="1" smtClean="0"/>
+              <a:t>Tree</a:t>
+            </a:r>
+            <a:r>
+              <a:rPr lang="de-DE" dirty="0" smtClean="0"/>
+              <a:t> für HAW App</a:t>
+            </a:r>
+          </a:p>
+          <a:p>
+            <a:r>
+              <a:rPr lang="de-DE" dirty="0" smtClean="0"/>
+              <a:t>Ex- und Import aus </a:t>
+            </a:r>
+            <a:r>
+              <a:rPr lang="de-DE" dirty="0" err="1" smtClean="0"/>
+              <a:t>Testona</a:t>
+            </a:r>
+            <a:r>
+              <a:rPr lang="de-DE" dirty="0" smtClean="0"/>
+              <a:t> nach Test Editor</a:t>
+            </a:r>
+          </a:p>
+          <a:p>
+            <a:r>
+              <a:rPr lang="de-DE" dirty="0" err="1" smtClean="0"/>
+              <a:t>Classification</a:t>
+            </a:r>
+            <a:r>
+              <a:rPr lang="de-DE" dirty="0" smtClean="0"/>
+              <a:t> </a:t>
+            </a:r>
+            <a:r>
+              <a:rPr lang="de-DE" dirty="0" err="1" smtClean="0"/>
+              <a:t>Trees</a:t>
+            </a:r>
+            <a:r>
+              <a:rPr lang="de-DE" dirty="0" smtClean="0"/>
+              <a:t> nach </a:t>
+            </a:r>
+            <a:r>
+              <a:rPr lang="de-DE" smtClean="0"/>
+              <a:t>Heuristiken erstellen</a:t>
+            </a:r>
+            <a:endParaRPr lang="de-DE" dirty="0"/>
+          </a:p>
+          <a:p>
+            <a:r>
+              <a:rPr lang="de-DE" dirty="0" smtClean="0"/>
+              <a:t>(weitere </a:t>
+            </a:r>
+            <a:r>
+              <a:rPr lang="de-DE" dirty="0"/>
+              <a:t>Masken in den Testeditor </a:t>
+            </a:r>
+            <a:r>
+              <a:rPr lang="de-DE" dirty="0" smtClean="0"/>
+              <a:t>einfügen)</a:t>
+            </a:r>
+            <a:endParaRPr lang="de-DE" dirty="0"/>
           </a:p>
           <a:p>
             <a:pPr marL="45720" indent="0">
               <a:buNone/>
             </a:pPr>
-            <a:endParaRPr lang="de-DE"/>
+            <a:endParaRPr lang="de-DE" dirty="0"/>
           </a:p>
         </p:txBody>
       </p:sp>

--- a/TestenMileStone2.pptx
+++ b/TestenMileStone2.pptx
@@ -220,7 +220,7 @@
           <a:p>
             <a:fld id="{65DD71D7-55AC-46BD-81B3-09AB2F9EFBD8}" type="datetimeFigureOut">
               <a:rPr lang="de-DE" smtClean="0"/>
-              <a:t>29.11.2015</a:t>
+              <a:t>30.11.2015</a:t>
             </a:fld>
             <a:endParaRPr lang="de-DE" dirty="0"/>
           </a:p>
@@ -385,7 +385,7 @@
           <a:p>
             <a:fld id="{1F89424F-BB59-4F4E-9822-4CA3E770FFD2}" type="datetimeFigureOut">
               <a:rPr lang="de-DE" smtClean="0"/>
-              <a:t>29.11.2015</a:t>
+              <a:t>30.11.2015</a:t>
             </a:fld>
             <a:endParaRPr lang="de-DE" dirty="0"/>
           </a:p>
@@ -1112,7 +1112,7 @@
           <a:p>
             <a:fld id="{537F698A-8CEE-4BF3-BEC8-0ABA6C1BFF10}" type="datetime1">
               <a:rPr lang="de-DE" smtClean="0"/>
-              <a:t>29.11.2015</a:t>
+              <a:t>30.11.2015</a:t>
             </a:fld>
             <a:endParaRPr lang="de-DE" dirty="0"/>
           </a:p>
@@ -1315,7 +1315,7 @@
           <a:p>
             <a:fld id="{21EA3026-B01D-4A07-9460-F7E0EBAC28CD}" type="datetime1">
               <a:rPr lang="de-DE" smtClean="0"/>
-              <a:t>29.11.2015</a:t>
+              <a:t>30.11.2015</a:t>
             </a:fld>
             <a:endParaRPr lang="de-DE" dirty="0"/>
           </a:p>
@@ -1508,7 +1508,7 @@
           <a:p>
             <a:fld id="{F66A0F23-FBCB-420B-8C36-8A5C93F98E1D}" type="datetime1">
               <a:rPr lang="de-DE" smtClean="0"/>
-              <a:t>29.11.2015</a:t>
+              <a:t>30.11.2015</a:t>
             </a:fld>
             <a:endParaRPr lang="de-DE" dirty="0"/>
           </a:p>
@@ -2121,7 +2121,7 @@
           <a:p>
             <a:fld id="{8A458D03-FBAF-4BE9-900A-26E29E2C0671}" type="datetime1">
               <a:rPr lang="de-DE" smtClean="0"/>
-              <a:t>29.11.2015</a:t>
+              <a:t>30.11.2015</a:t>
             </a:fld>
             <a:endParaRPr lang="de-DE" dirty="0"/>
           </a:p>
@@ -2576,7 +2576,7 @@
           <a:p>
             <a:fld id="{E70E15B3-2ABA-4AD8-8437-D701EFDB75E9}" type="datetime1">
               <a:rPr lang="de-DE" smtClean="0"/>
-              <a:t>29.11.2015</a:t>
+              <a:t>30.11.2015</a:t>
             </a:fld>
             <a:endParaRPr lang="de-DE" dirty="0"/>
           </a:p>
@@ -2717,7 +2717,7 @@
           <a:p>
             <a:fld id="{EC022FFA-086D-48E4-A3A9-F2E6ADCC7A7A}" type="datetime1">
               <a:rPr lang="de-DE" smtClean="0"/>
-              <a:t>29.11.2015</a:t>
+              <a:t>30.11.2015</a:t>
             </a:fld>
             <a:endParaRPr lang="de-DE" dirty="0"/>
           </a:p>
@@ -2835,7 +2835,7 @@
           <a:p>
             <a:fld id="{2ABA1BE5-10BE-4EC0-8AF8-1FF2CE7C8C7C}" type="datetime1">
               <a:rPr lang="de-DE" smtClean="0"/>
-              <a:t>29.11.2015</a:t>
+              <a:t>30.11.2015</a:t>
             </a:fld>
             <a:endParaRPr lang="de-DE" dirty="0"/>
           </a:p>
@@ -3271,7 +3271,7 @@
           <a:p>
             <a:fld id="{06AEED3C-F3D4-413C-88C0-8F79A6BD5893}" type="datetime1">
               <a:rPr lang="de-DE" smtClean="0"/>
-              <a:t>29.11.2015</a:t>
+              <a:t>30.11.2015</a:t>
             </a:fld>
             <a:endParaRPr lang="de-DE" dirty="0"/>
           </a:p>
@@ -3697,7 +3697,7 @@
           <a:p>
             <a:fld id="{8A0BF93F-18FA-420B-8AAE-FD2EDBFEC862}" type="datetime1">
               <a:rPr lang="de-DE" smtClean="0"/>
-              <a:t>29.11.2015</a:t>
+              <a:t>30.11.2015</a:t>
             </a:fld>
             <a:endParaRPr lang="de-DE" dirty="0"/>
           </a:p>
@@ -3981,7 +3981,7 @@
           <a:p>
             <a:fld id="{88460AF1-5B98-4D10-B224-FDE8F6480635}" type="datetime1">
               <a:rPr lang="de-DE" smtClean="0"/>
-              <a:t>29.11.2015</a:t>
+              <a:t>30.11.2015</a:t>
             </a:fld>
             <a:endParaRPr lang="de-DE" dirty="0"/>
           </a:p>
@@ -4647,7 +4647,6 @@
               <a:rPr lang="de-DE" dirty="0" smtClean="0"/>
               <a:t>Hürden</a:t>
             </a:r>
-            <a:endParaRPr lang="de-DE" dirty="0" smtClean="0"/>
           </a:p>
           <a:p>
             <a:pPr lvl="1"/>
@@ -4655,7 +4654,6 @@
               <a:rPr lang="de-DE" dirty="0" smtClean="0"/>
               <a:t>Lösungen</a:t>
             </a:r>
-            <a:endParaRPr lang="de-DE" dirty="0" smtClean="0"/>
           </a:p>
           <a:p>
             <a:r>
@@ -5066,8 +5064,23 @@
             </a:r>
             <a:r>
               <a:rPr lang="de-DE" dirty="0" smtClean="0"/>
-              <a:t> Fehlermeldungen teils irreführend</a:t>
-            </a:r>
+              <a:t> Fehlermeldungen teils </a:t>
+            </a:r>
+            <a:r>
+              <a:rPr lang="de-DE" dirty="0" smtClean="0"/>
+              <a:t>irreführend</a:t>
+            </a:r>
+          </a:p>
+          <a:p>
+            <a:r>
+              <a:rPr lang="de-DE" dirty="0" err="1" smtClean="0"/>
+              <a:t>Fitnesse</a:t>
+            </a:r>
+            <a:r>
+              <a:rPr lang="de-DE" dirty="0" smtClean="0"/>
+              <a:t> baut teils eigene Funktionsnamen zusammen</a:t>
+            </a:r>
+            <a:endParaRPr lang="de-DE" dirty="0" smtClean="0"/>
           </a:p>
           <a:p>
             <a:endParaRPr lang="de-DE" dirty="0"/>
@@ -5456,15 +5469,7 @@
                   <a:srgbClr val="000000"/>
                 </a:solidFill>
               </a:rPr>
-              <a:t> </a:t>
-            </a:r>
-            <a:r>
-              <a:rPr lang="de-DE" dirty="0" smtClean="0">
-                <a:solidFill>
-                  <a:srgbClr val="000000"/>
-                </a:solidFill>
-              </a:rPr>
-              <a:t>&amp; </a:t>
+              <a:t> &amp; </a:t>
             </a:r>
             <a:r>
               <a:rPr lang="de-DE" dirty="0" err="1" smtClean="0">
